--- a/assets/img/affiliations/compound_logo.pptx
+++ b/assets/img/affiliations/compound_logo.pptx
@@ -3692,7 +3692,7 @@
                   </a:schemeClr>
                 </a:solidFill>
               </a:rPr>
-              <a:t>(2024 - )</a:t>
+              <a:t>(2023 - )</a:t>
             </a:r>
             <a:endParaRPr lang="en-US" b="1" dirty="0">
               <a:solidFill>
@@ -3734,6 +3734,36 @@
           <a:xfrm>
             <a:off x="452096" y="2321291"/>
             <a:ext cx="1376845" cy="1376845"/>
+          </a:xfrm>
+          <a:prstGeom prst="rect">
+            <a:avLst/>
+          </a:prstGeom>
+        </p:spPr>
+      </p:pic>
+      <p:pic>
+        <p:nvPicPr>
+          <p:cNvPr id="2" name="图片 1">
+            <a:extLst>
+              <a:ext uri="{FF2B5EF4-FFF2-40B4-BE49-F238E27FC236}">
+                <a16:creationId xmlns:a16="http://schemas.microsoft.com/office/drawing/2014/main" id="{94491737-AD25-41B3-A24E-B38E0896EA9C}"/>
+              </a:ext>
+            </a:extLst>
+          </p:cNvPr>
+          <p:cNvPicPr>
+            <a:picLocks noChangeAspect="1"/>
+          </p:cNvPicPr>
+          <p:nvPr/>
+        </p:nvPicPr>
+        <p:blipFill>
+          <a:blip r:embed="rId5"/>
+          <a:stretch>
+            <a:fillRect/>
+          </a:stretch>
+        </p:blipFill>
+        <p:spPr>
+          <a:xfrm>
+            <a:off x="5426354" y="2216777"/>
+            <a:ext cx="5529551" cy="2127688"/>
           </a:xfrm>
           <a:prstGeom prst="rect">
             <a:avLst/>
